--- a/manuscript/figures.pptx
+++ b/manuscript/figures.pptx
@@ -8,6 +8,7 @@
     <p:sldId id="263" r:id="rId2"/>
     <p:sldId id="264" r:id="rId3"/>
     <p:sldId id="265" r:id="rId4"/>
+    <p:sldId id="266" r:id="rId5"/>
   </p:sldIdLst>
   <p:sldSz cx="9144000" cy="6858000" type="screen4x3"/>
   <p:notesSz cx="6858000" cy="9144000"/>
@@ -290,7 +291,7 @@
           <a:p>
             <a:fld id="{D604A245-C8BD-064D-B7C3-50DA7C8D409F}" type="datetimeFigureOut">
               <a:rPr lang="en-US" smtClean="0"/>
-              <a:t>4/22/2014</a:t>
+              <a:t>4/22/14</a:t>
             </a:fld>
             <a:endParaRPr lang="en-US"/>
           </a:p>
@@ -460,7 +461,7 @@
           <a:p>
             <a:fld id="{D604A245-C8BD-064D-B7C3-50DA7C8D409F}" type="datetimeFigureOut">
               <a:rPr lang="en-US" smtClean="0"/>
-              <a:t>4/22/2014</a:t>
+              <a:t>4/22/14</a:t>
             </a:fld>
             <a:endParaRPr lang="en-US"/>
           </a:p>
@@ -640,7 +641,7 @@
           <a:p>
             <a:fld id="{D604A245-C8BD-064D-B7C3-50DA7C8D409F}" type="datetimeFigureOut">
               <a:rPr lang="en-US" smtClean="0"/>
-              <a:t>4/22/2014</a:t>
+              <a:t>4/22/14</a:t>
             </a:fld>
             <a:endParaRPr lang="en-US"/>
           </a:p>
@@ -810,7 +811,7 @@
           <a:p>
             <a:fld id="{D604A245-C8BD-064D-B7C3-50DA7C8D409F}" type="datetimeFigureOut">
               <a:rPr lang="en-US" smtClean="0"/>
-              <a:t>4/22/2014</a:t>
+              <a:t>4/22/14</a:t>
             </a:fld>
             <a:endParaRPr lang="en-US"/>
           </a:p>
@@ -1056,7 +1057,7 @@
           <a:p>
             <a:fld id="{D604A245-C8BD-064D-B7C3-50DA7C8D409F}" type="datetimeFigureOut">
               <a:rPr lang="en-US" smtClean="0"/>
-              <a:t>4/22/2014</a:t>
+              <a:t>4/22/14</a:t>
             </a:fld>
             <a:endParaRPr lang="en-US"/>
           </a:p>
@@ -1344,7 +1345,7 @@
           <a:p>
             <a:fld id="{D604A245-C8BD-064D-B7C3-50DA7C8D409F}" type="datetimeFigureOut">
               <a:rPr lang="en-US" smtClean="0"/>
-              <a:t>4/22/2014</a:t>
+              <a:t>4/22/14</a:t>
             </a:fld>
             <a:endParaRPr lang="en-US"/>
           </a:p>
@@ -1766,7 +1767,7 @@
           <a:p>
             <a:fld id="{D604A245-C8BD-064D-B7C3-50DA7C8D409F}" type="datetimeFigureOut">
               <a:rPr lang="en-US" smtClean="0"/>
-              <a:t>4/22/2014</a:t>
+              <a:t>4/22/14</a:t>
             </a:fld>
             <a:endParaRPr lang="en-US"/>
           </a:p>
@@ -1884,7 +1885,7 @@
           <a:p>
             <a:fld id="{D604A245-C8BD-064D-B7C3-50DA7C8D409F}" type="datetimeFigureOut">
               <a:rPr lang="en-US" smtClean="0"/>
-              <a:t>4/22/2014</a:t>
+              <a:t>4/22/14</a:t>
             </a:fld>
             <a:endParaRPr lang="en-US"/>
           </a:p>
@@ -1979,7 +1980,7 @@
           <a:p>
             <a:fld id="{D604A245-C8BD-064D-B7C3-50DA7C8D409F}" type="datetimeFigureOut">
               <a:rPr lang="en-US" smtClean="0"/>
-              <a:t>4/22/2014</a:t>
+              <a:t>4/22/14</a:t>
             </a:fld>
             <a:endParaRPr lang="en-US"/>
           </a:p>
@@ -2256,7 +2257,7 @@
           <a:p>
             <a:fld id="{D604A245-C8BD-064D-B7C3-50DA7C8D409F}" type="datetimeFigureOut">
               <a:rPr lang="en-US" smtClean="0"/>
-              <a:t>4/22/2014</a:t>
+              <a:t>4/22/14</a:t>
             </a:fld>
             <a:endParaRPr lang="en-US"/>
           </a:p>
@@ -2509,7 +2510,7 @@
           <a:p>
             <a:fld id="{D604A245-C8BD-064D-B7C3-50DA7C8D409F}" type="datetimeFigureOut">
               <a:rPr lang="en-US" smtClean="0"/>
-              <a:t>4/22/2014</a:t>
+              <a:t>4/22/14</a:t>
             </a:fld>
             <a:endParaRPr lang="en-US"/>
           </a:p>
@@ -2722,7 +2723,7 @@
           <a:p>
             <a:fld id="{D604A245-C8BD-064D-B7C3-50DA7C8D409F}" type="datetimeFigureOut">
               <a:rPr lang="en-US" smtClean="0"/>
-              <a:t>4/22/2014</a:t>
+              <a:t>4/22/14</a:t>
             </a:fld>
             <a:endParaRPr lang="en-US"/>
           </a:p>
@@ -3131,14 +3132,14 @@
             <a:noFill/>
           </a:ln>
           <a:extLst>
-            <a:ext uri="{909E8E84-426E-40DD-AFC4-6F175D3DCCD1}">
+            <a:ext uri="{909E8E84-426E-40dd-AFC4-6F175D3DCCD1}">
               <a14:hiddenFill xmlns:a14="http://schemas.microsoft.com/office/drawing/2010/main">
                 <a:solidFill>
                   <a:schemeClr val="accent1"/>
                 </a:solidFill>
               </a14:hiddenFill>
             </a:ext>
-            <a:ext uri="{91240B29-F687-4F45-9708-019B960494DF}">
+            <a:ext uri="{91240B29-F687-4f45-9708-019B960494DF}">
               <a14:hiddenLine xmlns:a14="http://schemas.microsoft.com/office/drawing/2010/main" w="9525">
                 <a:solidFill>
                   <a:schemeClr val="tx1"/>
@@ -3185,14 +3186,14 @@
             <a:noFill/>
           </a:ln>
           <a:extLst>
-            <a:ext uri="{909E8E84-426E-40DD-AFC4-6F175D3DCCD1}">
+            <a:ext uri="{909E8E84-426E-40dd-AFC4-6F175D3DCCD1}">
               <a14:hiddenFill xmlns:a14="http://schemas.microsoft.com/office/drawing/2010/main">
                 <a:solidFill>
                   <a:schemeClr val="accent1"/>
                 </a:solidFill>
               </a14:hiddenFill>
             </a:ext>
-            <a:ext uri="{91240B29-F687-4F45-9708-019B960494DF}">
+            <a:ext uri="{91240B29-F687-4f45-9708-019B960494DF}">
               <a14:hiddenLine xmlns:a14="http://schemas.microsoft.com/office/drawing/2010/main" w="9525">
                 <a:solidFill>
                   <a:schemeClr val="tx1"/>
@@ -3239,14 +3240,14 @@
             <a:noFill/>
           </a:ln>
           <a:extLst>
-            <a:ext uri="{909E8E84-426E-40DD-AFC4-6F175D3DCCD1}">
+            <a:ext uri="{909E8E84-426E-40dd-AFC4-6F175D3DCCD1}">
               <a14:hiddenFill xmlns:a14="http://schemas.microsoft.com/office/drawing/2010/main">
                 <a:solidFill>
                   <a:schemeClr val="accent1"/>
                 </a:solidFill>
               </a14:hiddenFill>
             </a:ext>
-            <a:ext uri="{91240B29-F687-4F45-9708-019B960494DF}">
+            <a:ext uri="{91240B29-F687-4f45-9708-019B960494DF}">
               <a14:hiddenLine xmlns:a14="http://schemas.microsoft.com/office/drawing/2010/main" w="9525">
                 <a:solidFill>
                   <a:schemeClr val="tx1"/>
@@ -3397,14 +3398,14 @@
               <a:noFill/>
             </a:ln>
             <a:extLst>
-              <a:ext uri="{909E8E84-426E-40DD-AFC4-6F175D3DCCD1}">
+              <a:ext uri="{909E8E84-426E-40dd-AFC4-6F175D3DCCD1}">
                 <a14:hiddenFill xmlns:a14="http://schemas.microsoft.com/office/drawing/2010/main">
                   <a:solidFill>
                     <a:schemeClr val="accent1"/>
                   </a:solidFill>
                 </a14:hiddenFill>
               </a:ext>
-              <a:ext uri="{91240B29-F687-4F45-9708-019B960494DF}">
+              <a:ext uri="{91240B29-F687-4f45-9708-019B960494DF}">
                 <a14:hiddenLine xmlns:a14="http://schemas.microsoft.com/office/drawing/2010/main" w="9525">
                   <a:solidFill>
                     <a:schemeClr val="tx1"/>
@@ -3449,7 +3450,7 @@
           </a:prstGeom>
           <a:noFill/>
           <a:extLst>
-            <a:ext uri="{909E8E84-426E-40DD-AFC4-6F175D3DCCD1}">
+            <a:ext uri="{909E8E84-426E-40dd-AFC4-6F175D3DCCD1}">
               <a14:hiddenFill xmlns:a14="http://schemas.microsoft.com/office/drawing/2010/main">
                 <a:solidFill>
                   <a:srgbClr val="FFFFFF"/>
@@ -3490,7 +3491,7 @@
           </a:prstGeom>
           <a:noFill/>
           <a:extLst>
-            <a:ext uri="{909E8E84-426E-40DD-AFC4-6F175D3DCCD1}">
+            <a:ext uri="{909E8E84-426E-40dd-AFC4-6F175D3DCCD1}">
               <a14:hiddenFill xmlns:a14="http://schemas.microsoft.com/office/drawing/2010/main">
                 <a:solidFill>
                   <a:srgbClr val="FFFFFF"/>
@@ -3531,7 +3532,7 @@
           </a:prstGeom>
           <a:noFill/>
           <a:extLst>
-            <a:ext uri="{909E8E84-426E-40DD-AFC4-6F175D3DCCD1}">
+            <a:ext uri="{909E8E84-426E-40dd-AFC4-6F175D3DCCD1}">
               <a14:hiddenFill xmlns:a14="http://schemas.microsoft.com/office/drawing/2010/main">
                 <a:solidFill>
                   <a:srgbClr val="FFFFFF"/>
@@ -3554,7 +3555,7 @@
   <p:timing>
     <p:tnLst>
       <p:par>
-        <p:cTn id="1" dur="indefinite" restart="never" nodeType="tmRoot"/>
+        <p:cTn xmlns:p14="http://schemas.microsoft.com/office/powerpoint/2010/main" id="1" dur="indefinite" restart="never" nodeType="tmRoot"/>
       </p:par>
     </p:tnLst>
   </p:timing>
@@ -4113,14 +4114,14 @@
                 <a:noFill/>
               </a:ln>
               <a:extLst>
-                <a:ext uri="{909E8E84-426E-40DD-AFC4-6F175D3DCCD1}">
+                <a:ext uri="{909E8E84-426E-40dd-AFC4-6F175D3DCCD1}">
                   <a14:hiddenFill xmlns:a14="http://schemas.microsoft.com/office/drawing/2010/main">
                     <a:solidFill>
                       <a:schemeClr val="accent1"/>
                     </a:solidFill>
                   </a14:hiddenFill>
                 </a:ext>
-                <a:ext uri="{91240B29-F687-4F45-9708-019B960494DF}">
+                <a:ext uri="{91240B29-F687-4f45-9708-019B960494DF}">
                   <a14:hiddenLine xmlns:a14="http://schemas.microsoft.com/office/drawing/2010/main" w="9525">
                     <a:solidFill>
                       <a:schemeClr val="tx1"/>
@@ -4295,10 +4296,88 @@
   <p:timing>
     <p:tnLst>
       <p:par>
-        <p:cTn id="1" dur="indefinite" restart="never" nodeType="tmRoot"/>
+        <p:cTn xmlns:p14="http://schemas.microsoft.com/office/powerpoint/2010/main" id="1" dur="indefinite" restart="never" nodeType="tmRoot"/>
       </p:par>
     </p:tnLst>
   </p:timing>
+</p:sld>
+</file>
+
+<file path=ppt/slides/slide4.xml><?xml version="1.0" encoding="utf-8"?>
+<p:sld xmlns:a="http://schemas.openxmlformats.org/drawingml/2006/main" xmlns:r="http://schemas.openxmlformats.org/officeDocument/2006/relationships" xmlns:p="http://schemas.openxmlformats.org/presentationml/2006/main">
+  <p:cSld>
+    <p:spTree>
+      <p:nvGrpSpPr>
+        <p:cNvPr id="1" name=""/>
+        <p:cNvGrpSpPr/>
+        <p:nvPr/>
+      </p:nvGrpSpPr>
+      <p:grpSpPr>
+        <a:xfrm>
+          <a:off x="0" y="0"/>
+          <a:ext cx="0" cy="0"/>
+          <a:chOff x="0" y="0"/>
+          <a:chExt cx="0" cy="0"/>
+        </a:xfrm>
+      </p:grpSpPr>
+      <p:sp>
+        <p:nvSpPr>
+          <p:cNvPr id="2" name="TextBox 1"/>
+          <p:cNvSpPr txBox="1"/>
+          <p:nvPr/>
+        </p:nvSpPr>
+        <p:spPr>
+          <a:xfrm>
+            <a:off x="3752558" y="1052657"/>
+            <a:ext cx="2761806" cy="1477328"/>
+          </a:xfrm>
+          <a:prstGeom prst="rect">
+            <a:avLst/>
+          </a:prstGeom>
+          <a:noFill/>
+        </p:spPr>
+        <p:txBody>
+          <a:bodyPr wrap="none" rtlCol="0">
+            <a:spAutoFit/>
+          </a:bodyPr>
+          <a:lstStyle/>
+          <a:p>
+            <a:r>
+              <a:rPr lang="en-US" dirty="0" smtClean="0"/>
+              <a:t>Need roc curve comparison</a:t>
+            </a:r>
+          </a:p>
+          <a:p>
+            <a:endParaRPr lang="en-US" dirty="0"/>
+          </a:p>
+          <a:p>
+            <a:r>
+              <a:rPr lang="en-US" dirty="0" smtClean="0"/>
+              <a:t>May prediction precision</a:t>
+            </a:r>
+          </a:p>
+          <a:p>
+            <a:endParaRPr lang="en-US" dirty="0"/>
+          </a:p>
+          <a:p>
+            <a:r>
+              <a:rPr lang="en-US" smtClean="0"/>
+              <a:t>Etc.</a:t>
+            </a:r>
+            <a:endParaRPr lang="en-US" dirty="0"/>
+          </a:p>
+        </p:txBody>
+      </p:sp>
+    </p:spTree>
+    <p:extLst>
+      <p:ext uri="{BB962C8B-B14F-4D97-AF65-F5344CB8AC3E}">
+        <p14:creationId xmlns:p14="http://schemas.microsoft.com/office/powerpoint/2010/main" val="413038637"/>
+      </p:ext>
+    </p:extLst>
+  </p:cSld>
+  <p:clrMapOvr>
+    <a:masterClrMapping/>
+  </p:clrMapOvr>
 </p:sld>
 </file>
 

--- a/manuscript/figures.pptx
+++ b/manuscript/figures.pptx
@@ -3328,7 +3328,7 @@
         </p:nvGrpSpPr>
         <p:grpSpPr>
           <a:xfrm>
-            <a:off x="202023" y="80706"/>
+            <a:off x="190582" y="115032"/>
             <a:ext cx="3593804" cy="3109061"/>
             <a:chOff x="1524000" y="914400"/>
             <a:chExt cx="6258620" cy="5863937"/>
@@ -3483,8 +3483,8 @@
         </p:blipFill>
         <p:spPr bwMode="auto">
           <a:xfrm>
-            <a:off x="100515" y="3286035"/>
-            <a:ext cx="3429000" cy="3429000"/>
+            <a:off x="146278" y="3251708"/>
+            <a:ext cx="3583399" cy="3583399"/>
           </a:xfrm>
           <a:prstGeom prst="rect">
             <a:avLst/>
@@ -3524,8 +3524,8 @@
         </p:blipFill>
         <p:spPr bwMode="auto">
           <a:xfrm>
-            <a:off x="5022035" y="3286035"/>
-            <a:ext cx="3352800" cy="3352800"/>
+            <a:off x="4912242" y="3286034"/>
+            <a:ext cx="3462593" cy="3462593"/>
           </a:xfrm>
           <a:prstGeom prst="rect">
             <a:avLst/>
@@ -4361,7 +4361,7 @@
           </a:p>
           <a:p>
             <a:r>
-              <a:rPr lang="en-US" smtClean="0"/>
+              <a:rPr lang="en-US" dirty="0" smtClean="0"/>
               <a:t>Etc.</a:t>
             </a:r>
             <a:endParaRPr lang="en-US" dirty="0"/>

--- a/manuscript/figures.pptx
+++ b/manuscript/figures.pptx
@@ -4,6 +4,9 @@
   <p:sldMasterIdLst>
     <p:sldMasterId id="2147483648" r:id="rId1"/>
   </p:sldMasterIdLst>
+  <p:notesMasterIdLst>
+    <p:notesMasterId r:id="rId6"/>
+  </p:notesMasterIdLst>
   <p:sldIdLst>
     <p:sldId id="263" r:id="rId2"/>
     <p:sldId id="264" r:id="rId3"/>
@@ -110,6 +113,640 @@
 </p:presentation>
 </file>
 
+<file path=ppt/notesMasters/notesMaster1.xml><?xml version="1.0" encoding="utf-8"?>
+<p:notesMaster xmlns:a="http://schemas.openxmlformats.org/drawingml/2006/main" xmlns:r="http://schemas.openxmlformats.org/officeDocument/2006/relationships" xmlns:p="http://schemas.openxmlformats.org/presentationml/2006/main">
+  <p:cSld>
+    <p:bg>
+      <p:bgRef idx="1001">
+        <a:schemeClr val="bg1"/>
+      </p:bgRef>
+    </p:bg>
+    <p:spTree>
+      <p:nvGrpSpPr>
+        <p:cNvPr id="1" name=""/>
+        <p:cNvGrpSpPr/>
+        <p:nvPr/>
+      </p:nvGrpSpPr>
+      <p:grpSpPr>
+        <a:xfrm>
+          <a:off x="0" y="0"/>
+          <a:ext cx="0" cy="0"/>
+          <a:chOff x="0" y="0"/>
+          <a:chExt cx="0" cy="0"/>
+        </a:xfrm>
+      </p:grpSpPr>
+      <p:sp>
+        <p:nvSpPr>
+          <p:cNvPr id="2" name="Header Placeholder 1"/>
+          <p:cNvSpPr>
+            <a:spLocks noGrp="1"/>
+          </p:cNvSpPr>
+          <p:nvPr>
+            <p:ph type="hdr" sz="quarter"/>
+          </p:nvPr>
+        </p:nvSpPr>
+        <p:spPr>
+          <a:xfrm>
+            <a:off x="0" y="0"/>
+            <a:ext cx="2971800" cy="457200"/>
+          </a:xfrm>
+          <a:prstGeom prst="rect">
+            <a:avLst/>
+          </a:prstGeom>
+        </p:spPr>
+        <p:txBody>
+          <a:bodyPr vert="horz" lIns="91440" tIns="45720" rIns="91440" bIns="45720" rtlCol="0"/>
+          <a:lstStyle>
+            <a:lvl1pPr algn="l">
+              <a:defRPr sz="1200"/>
+            </a:lvl1pPr>
+          </a:lstStyle>
+          <a:p>
+            <a:endParaRPr lang="en-US"/>
+          </a:p>
+        </p:txBody>
+      </p:sp>
+      <p:sp>
+        <p:nvSpPr>
+          <p:cNvPr id="3" name="Date Placeholder 2"/>
+          <p:cNvSpPr>
+            <a:spLocks noGrp="1"/>
+          </p:cNvSpPr>
+          <p:nvPr>
+            <p:ph type="dt" idx="1"/>
+          </p:nvPr>
+        </p:nvSpPr>
+        <p:spPr>
+          <a:xfrm>
+            <a:off x="3884613" y="0"/>
+            <a:ext cx="2971800" cy="457200"/>
+          </a:xfrm>
+          <a:prstGeom prst="rect">
+            <a:avLst/>
+          </a:prstGeom>
+        </p:spPr>
+        <p:txBody>
+          <a:bodyPr vert="horz" lIns="91440" tIns="45720" rIns="91440" bIns="45720" rtlCol="0"/>
+          <a:lstStyle>
+            <a:lvl1pPr algn="r">
+              <a:defRPr sz="1200"/>
+            </a:lvl1pPr>
+          </a:lstStyle>
+          <a:p>
+            <a:fld id="{8B4EBA7A-56E1-4937-B6A7-4CCE0E7AD144}" type="datetimeFigureOut">
+              <a:rPr lang="en-US" smtClean="0"/>
+              <a:t>4/24/2014</a:t>
+            </a:fld>
+            <a:endParaRPr lang="en-US"/>
+          </a:p>
+        </p:txBody>
+      </p:sp>
+      <p:sp>
+        <p:nvSpPr>
+          <p:cNvPr id="4" name="Slide Image Placeholder 3"/>
+          <p:cNvSpPr>
+            <a:spLocks noGrp="1" noRot="1" noChangeAspect="1"/>
+          </p:cNvSpPr>
+          <p:nvPr>
+            <p:ph type="sldImg" idx="2"/>
+          </p:nvPr>
+        </p:nvSpPr>
+        <p:spPr>
+          <a:xfrm>
+            <a:off x="1143000" y="685800"/>
+            <a:ext cx="4572000" cy="3429000"/>
+          </a:xfrm>
+          <a:prstGeom prst="rect">
+            <a:avLst/>
+          </a:prstGeom>
+          <a:noFill/>
+          <a:ln w="12700">
+            <a:solidFill>
+              <a:prstClr val="black"/>
+            </a:solidFill>
+          </a:ln>
+        </p:spPr>
+        <p:txBody>
+          <a:bodyPr vert="horz" lIns="91440" tIns="45720" rIns="91440" bIns="45720" rtlCol="0" anchor="ctr"/>
+          <a:lstStyle/>
+          <a:p>
+            <a:endParaRPr lang="en-US"/>
+          </a:p>
+        </p:txBody>
+      </p:sp>
+      <p:sp>
+        <p:nvSpPr>
+          <p:cNvPr id="5" name="Notes Placeholder 4"/>
+          <p:cNvSpPr>
+            <a:spLocks noGrp="1"/>
+          </p:cNvSpPr>
+          <p:nvPr>
+            <p:ph type="body" sz="quarter" idx="3"/>
+          </p:nvPr>
+        </p:nvSpPr>
+        <p:spPr>
+          <a:xfrm>
+            <a:off x="685800" y="4343400"/>
+            <a:ext cx="5486400" cy="4114800"/>
+          </a:xfrm>
+          <a:prstGeom prst="rect">
+            <a:avLst/>
+          </a:prstGeom>
+        </p:spPr>
+        <p:txBody>
+          <a:bodyPr vert="horz" lIns="91440" tIns="45720" rIns="91440" bIns="45720" rtlCol="0"/>
+          <a:lstStyle/>
+          <a:p>
+            <a:pPr lvl="0"/>
+            <a:r>
+              <a:rPr lang="en-US" smtClean="0"/>
+              <a:t>Click to edit Master text styles</a:t>
+            </a:r>
+          </a:p>
+          <a:p>
+            <a:pPr lvl="1"/>
+            <a:r>
+              <a:rPr lang="en-US" smtClean="0"/>
+              <a:t>Second level</a:t>
+            </a:r>
+          </a:p>
+          <a:p>
+            <a:pPr lvl="2"/>
+            <a:r>
+              <a:rPr lang="en-US" smtClean="0"/>
+              <a:t>Third level</a:t>
+            </a:r>
+          </a:p>
+          <a:p>
+            <a:pPr lvl="3"/>
+            <a:r>
+              <a:rPr lang="en-US" smtClean="0"/>
+              <a:t>Fourth level</a:t>
+            </a:r>
+          </a:p>
+          <a:p>
+            <a:pPr lvl="4"/>
+            <a:r>
+              <a:rPr lang="en-US" smtClean="0"/>
+              <a:t>Fifth level</a:t>
+            </a:r>
+            <a:endParaRPr lang="en-US"/>
+          </a:p>
+        </p:txBody>
+      </p:sp>
+      <p:sp>
+        <p:nvSpPr>
+          <p:cNvPr id="6" name="Footer Placeholder 5"/>
+          <p:cNvSpPr>
+            <a:spLocks noGrp="1"/>
+          </p:cNvSpPr>
+          <p:nvPr>
+            <p:ph type="ftr" sz="quarter" idx="4"/>
+          </p:nvPr>
+        </p:nvSpPr>
+        <p:spPr>
+          <a:xfrm>
+            <a:off x="0" y="8685213"/>
+            <a:ext cx="2971800" cy="457200"/>
+          </a:xfrm>
+          <a:prstGeom prst="rect">
+            <a:avLst/>
+          </a:prstGeom>
+        </p:spPr>
+        <p:txBody>
+          <a:bodyPr vert="horz" lIns="91440" tIns="45720" rIns="91440" bIns="45720" rtlCol="0" anchor="b"/>
+          <a:lstStyle>
+            <a:lvl1pPr algn="l">
+              <a:defRPr sz="1200"/>
+            </a:lvl1pPr>
+          </a:lstStyle>
+          <a:p>
+            <a:endParaRPr lang="en-US"/>
+          </a:p>
+        </p:txBody>
+      </p:sp>
+      <p:sp>
+        <p:nvSpPr>
+          <p:cNvPr id="7" name="Slide Number Placeholder 6"/>
+          <p:cNvSpPr>
+            <a:spLocks noGrp="1"/>
+          </p:cNvSpPr>
+          <p:nvPr>
+            <p:ph type="sldNum" sz="quarter" idx="5"/>
+          </p:nvPr>
+        </p:nvSpPr>
+        <p:spPr>
+          <a:xfrm>
+            <a:off x="3884613" y="8685213"/>
+            <a:ext cx="2971800" cy="457200"/>
+          </a:xfrm>
+          <a:prstGeom prst="rect">
+            <a:avLst/>
+          </a:prstGeom>
+        </p:spPr>
+        <p:txBody>
+          <a:bodyPr vert="horz" lIns="91440" tIns="45720" rIns="91440" bIns="45720" rtlCol="0" anchor="b"/>
+          <a:lstStyle>
+            <a:lvl1pPr algn="r">
+              <a:defRPr sz="1200"/>
+            </a:lvl1pPr>
+          </a:lstStyle>
+          <a:p>
+            <a:fld id="{FBDCEE2F-1E82-4629-B6CC-B0E3A96AD62F}" type="slidenum">
+              <a:rPr lang="en-US" smtClean="0"/>
+              <a:t>‹#›</a:t>
+            </a:fld>
+            <a:endParaRPr lang="en-US"/>
+          </a:p>
+        </p:txBody>
+      </p:sp>
+    </p:spTree>
+    <p:extLst>
+      <p:ext uri="{BB962C8B-B14F-4D97-AF65-F5344CB8AC3E}">
+        <p14:creationId xmlns:p14="http://schemas.microsoft.com/office/powerpoint/2010/main" val="2151848452"/>
+      </p:ext>
+    </p:extLst>
+  </p:cSld>
+  <p:clrMap bg1="lt1" tx1="dk1" bg2="lt2" tx2="dk2" accent1="accent1" accent2="accent2" accent3="accent3" accent4="accent4" accent5="accent5" accent6="accent6" hlink="hlink" folHlink="folHlink"/>
+  <p:notesStyle>
+    <a:lvl1pPr marL="0" algn="l" defTabSz="914400" rtl="0" eaLnBrk="1" latinLnBrk="0" hangingPunct="1">
+      <a:defRPr sz="1200" kern="1200">
+        <a:solidFill>
+          <a:schemeClr val="tx1"/>
+        </a:solidFill>
+        <a:latin typeface="+mn-lt"/>
+        <a:ea typeface="+mn-ea"/>
+        <a:cs typeface="+mn-cs"/>
+      </a:defRPr>
+    </a:lvl1pPr>
+    <a:lvl2pPr marL="457200" algn="l" defTabSz="914400" rtl="0" eaLnBrk="1" latinLnBrk="0" hangingPunct="1">
+      <a:defRPr sz="1200" kern="1200">
+        <a:solidFill>
+          <a:schemeClr val="tx1"/>
+        </a:solidFill>
+        <a:latin typeface="+mn-lt"/>
+        <a:ea typeface="+mn-ea"/>
+        <a:cs typeface="+mn-cs"/>
+      </a:defRPr>
+    </a:lvl2pPr>
+    <a:lvl3pPr marL="914400" algn="l" defTabSz="914400" rtl="0" eaLnBrk="1" latinLnBrk="0" hangingPunct="1">
+      <a:defRPr sz="1200" kern="1200">
+        <a:solidFill>
+          <a:schemeClr val="tx1"/>
+        </a:solidFill>
+        <a:latin typeface="+mn-lt"/>
+        <a:ea typeface="+mn-ea"/>
+        <a:cs typeface="+mn-cs"/>
+      </a:defRPr>
+    </a:lvl3pPr>
+    <a:lvl4pPr marL="1371600" algn="l" defTabSz="914400" rtl="0" eaLnBrk="1" latinLnBrk="0" hangingPunct="1">
+      <a:defRPr sz="1200" kern="1200">
+        <a:solidFill>
+          <a:schemeClr val="tx1"/>
+        </a:solidFill>
+        <a:latin typeface="+mn-lt"/>
+        <a:ea typeface="+mn-ea"/>
+        <a:cs typeface="+mn-cs"/>
+      </a:defRPr>
+    </a:lvl4pPr>
+    <a:lvl5pPr marL="1828800" algn="l" defTabSz="914400" rtl="0" eaLnBrk="1" latinLnBrk="0" hangingPunct="1">
+      <a:defRPr sz="1200" kern="1200">
+        <a:solidFill>
+          <a:schemeClr val="tx1"/>
+        </a:solidFill>
+        <a:latin typeface="+mn-lt"/>
+        <a:ea typeface="+mn-ea"/>
+        <a:cs typeface="+mn-cs"/>
+      </a:defRPr>
+    </a:lvl5pPr>
+    <a:lvl6pPr marL="2286000" algn="l" defTabSz="914400" rtl="0" eaLnBrk="1" latinLnBrk="0" hangingPunct="1">
+      <a:defRPr sz="1200" kern="1200">
+        <a:solidFill>
+          <a:schemeClr val="tx1"/>
+        </a:solidFill>
+        <a:latin typeface="+mn-lt"/>
+        <a:ea typeface="+mn-ea"/>
+        <a:cs typeface="+mn-cs"/>
+      </a:defRPr>
+    </a:lvl6pPr>
+    <a:lvl7pPr marL="2743200" algn="l" defTabSz="914400" rtl="0" eaLnBrk="1" latinLnBrk="0" hangingPunct="1">
+      <a:defRPr sz="1200" kern="1200">
+        <a:solidFill>
+          <a:schemeClr val="tx1"/>
+        </a:solidFill>
+        <a:latin typeface="+mn-lt"/>
+        <a:ea typeface="+mn-ea"/>
+        <a:cs typeface="+mn-cs"/>
+      </a:defRPr>
+    </a:lvl7pPr>
+    <a:lvl8pPr marL="3200400" algn="l" defTabSz="914400" rtl="0" eaLnBrk="1" latinLnBrk="0" hangingPunct="1">
+      <a:defRPr sz="1200" kern="1200">
+        <a:solidFill>
+          <a:schemeClr val="tx1"/>
+        </a:solidFill>
+        <a:latin typeface="+mn-lt"/>
+        <a:ea typeface="+mn-ea"/>
+        <a:cs typeface="+mn-cs"/>
+      </a:defRPr>
+    </a:lvl8pPr>
+    <a:lvl9pPr marL="3657600" algn="l" defTabSz="914400" rtl="0" eaLnBrk="1" latinLnBrk="0" hangingPunct="1">
+      <a:defRPr sz="1200" kern="1200">
+        <a:solidFill>
+          <a:schemeClr val="tx1"/>
+        </a:solidFill>
+        <a:latin typeface="+mn-lt"/>
+        <a:ea typeface="+mn-ea"/>
+        <a:cs typeface="+mn-cs"/>
+      </a:defRPr>
+    </a:lvl9pPr>
+  </p:notesStyle>
+</p:notesMaster>
+</file>
+
+<file path=ppt/notesSlides/notesSlide1.xml><?xml version="1.0" encoding="utf-8"?>
+<p:notes xmlns:a="http://schemas.openxmlformats.org/drawingml/2006/main" xmlns:r="http://schemas.openxmlformats.org/officeDocument/2006/relationships" xmlns:p="http://schemas.openxmlformats.org/presentationml/2006/main">
+  <p:cSld>
+    <p:spTree>
+      <p:nvGrpSpPr>
+        <p:cNvPr id="1" name=""/>
+        <p:cNvGrpSpPr/>
+        <p:nvPr/>
+      </p:nvGrpSpPr>
+      <p:grpSpPr>
+        <a:xfrm>
+          <a:off x="0" y="0"/>
+          <a:ext cx="0" cy="0"/>
+          <a:chOff x="0" y="0"/>
+          <a:chExt cx="0" cy="0"/>
+        </a:xfrm>
+      </p:grpSpPr>
+      <p:sp>
+        <p:nvSpPr>
+          <p:cNvPr id="2" name="Slide Image Placeholder 1"/>
+          <p:cNvSpPr>
+            <a:spLocks noGrp="1" noRot="1" noChangeAspect="1"/>
+          </p:cNvSpPr>
+          <p:nvPr>
+            <p:ph type="sldImg"/>
+          </p:nvPr>
+        </p:nvSpPr>
+        <p:spPr/>
+      </p:sp>
+      <p:sp>
+        <p:nvSpPr>
+          <p:cNvPr id="3" name="Notes Placeholder 2"/>
+          <p:cNvSpPr>
+            <a:spLocks noGrp="1"/>
+          </p:cNvSpPr>
+          <p:nvPr>
+            <p:ph type="body" idx="1"/>
+          </p:nvPr>
+        </p:nvSpPr>
+        <p:spPr/>
+        <p:txBody>
+          <a:bodyPr/>
+          <a:lstStyle/>
+          <a:p>
+            <a:r>
+              <a:rPr lang="en-US" dirty="0" smtClean="0"/>
+              <a:t>Figure</a:t>
+            </a:r>
+            <a:r>
+              <a:rPr lang="en-US" baseline="0" dirty="0" smtClean="0"/>
+              <a:t> 1 DNA imaging data</a:t>
+            </a:r>
+            <a:endParaRPr lang="en-US" dirty="0"/>
+          </a:p>
+        </p:txBody>
+      </p:sp>
+      <p:sp>
+        <p:nvSpPr>
+          <p:cNvPr id="4" name="Slide Number Placeholder 3"/>
+          <p:cNvSpPr>
+            <a:spLocks noGrp="1"/>
+          </p:cNvSpPr>
+          <p:nvPr>
+            <p:ph type="sldNum" sz="quarter" idx="10"/>
+          </p:nvPr>
+        </p:nvSpPr>
+        <p:spPr/>
+        <p:txBody>
+          <a:bodyPr/>
+          <a:lstStyle/>
+          <a:p>
+            <a:fld id="{FBDCEE2F-1E82-4629-B6CC-B0E3A96AD62F}" type="slidenum">
+              <a:rPr lang="en-US" smtClean="0"/>
+              <a:t>1</a:t>
+            </a:fld>
+            <a:endParaRPr lang="en-US"/>
+          </a:p>
+        </p:txBody>
+      </p:sp>
+    </p:spTree>
+    <p:extLst>
+      <p:ext uri="{BB962C8B-B14F-4D97-AF65-F5344CB8AC3E}">
+        <p14:creationId xmlns:p14="http://schemas.microsoft.com/office/powerpoint/2010/main" val="211964951"/>
+      </p:ext>
+    </p:extLst>
+  </p:cSld>
+  <p:clrMapOvr>
+    <a:masterClrMapping/>
+  </p:clrMapOvr>
+</p:notes>
+</file>
+
+<file path=ppt/notesSlides/notesSlide2.xml><?xml version="1.0" encoding="utf-8"?>
+<p:notes xmlns:a="http://schemas.openxmlformats.org/drawingml/2006/main" xmlns:r="http://schemas.openxmlformats.org/officeDocument/2006/relationships" xmlns:p="http://schemas.openxmlformats.org/presentationml/2006/main">
+  <p:cSld>
+    <p:spTree>
+      <p:nvGrpSpPr>
+        <p:cNvPr id="1" name=""/>
+        <p:cNvGrpSpPr/>
+        <p:nvPr/>
+      </p:nvGrpSpPr>
+      <p:grpSpPr>
+        <a:xfrm>
+          <a:off x="0" y="0"/>
+          <a:ext cx="0" cy="0"/>
+          <a:chOff x="0" y="0"/>
+          <a:chExt cx="0" cy="0"/>
+        </a:xfrm>
+      </p:grpSpPr>
+      <p:sp>
+        <p:nvSpPr>
+          <p:cNvPr id="2" name="Slide Image Placeholder 1"/>
+          <p:cNvSpPr>
+            <a:spLocks noGrp="1" noRot="1" noChangeAspect="1"/>
+          </p:cNvSpPr>
+          <p:nvPr>
+            <p:ph type="sldImg"/>
+          </p:nvPr>
+        </p:nvSpPr>
+        <p:spPr/>
+      </p:sp>
+      <p:sp>
+        <p:nvSpPr>
+          <p:cNvPr id="3" name="Notes Placeholder 2"/>
+          <p:cNvSpPr>
+            <a:spLocks noGrp="1"/>
+          </p:cNvSpPr>
+          <p:nvPr>
+            <p:ph type="body" idx="1"/>
+          </p:nvPr>
+        </p:nvSpPr>
+        <p:spPr/>
+        <p:txBody>
+          <a:bodyPr/>
+          <a:lstStyle/>
+          <a:p>
+            <a:r>
+              <a:rPr lang="en-US" dirty="0" smtClean="0"/>
+              <a:t>Figure 3 Kernel</a:t>
+            </a:r>
+            <a:r>
+              <a:rPr lang="en-US" baseline="0" dirty="0" smtClean="0"/>
+              <a:t> density smoothed density plots on D.I. values </a:t>
+            </a:r>
+            <a:endParaRPr lang="en-US" dirty="0"/>
+          </a:p>
+        </p:txBody>
+      </p:sp>
+      <p:sp>
+        <p:nvSpPr>
+          <p:cNvPr id="4" name="Slide Number Placeholder 3"/>
+          <p:cNvSpPr>
+            <a:spLocks noGrp="1"/>
+          </p:cNvSpPr>
+          <p:nvPr>
+            <p:ph type="sldNum" sz="quarter" idx="10"/>
+          </p:nvPr>
+        </p:nvSpPr>
+        <p:spPr/>
+        <p:txBody>
+          <a:bodyPr/>
+          <a:lstStyle/>
+          <a:p>
+            <a:fld id="{FBDCEE2F-1E82-4629-B6CC-B0E3A96AD62F}" type="slidenum">
+              <a:rPr lang="en-US" smtClean="0"/>
+              <a:t>2</a:t>
+            </a:fld>
+            <a:endParaRPr lang="en-US"/>
+          </a:p>
+        </p:txBody>
+      </p:sp>
+    </p:spTree>
+    <p:extLst>
+      <p:ext uri="{BB962C8B-B14F-4D97-AF65-F5344CB8AC3E}">
+        <p14:creationId xmlns:p14="http://schemas.microsoft.com/office/powerpoint/2010/main" val="2747181383"/>
+      </p:ext>
+    </p:extLst>
+  </p:cSld>
+  <p:clrMapOvr>
+    <a:masterClrMapping/>
+  </p:clrMapOvr>
+</p:notes>
+</file>
+
+<file path=ppt/notesSlides/notesSlide3.xml><?xml version="1.0" encoding="utf-8"?>
+<p:notes xmlns:a="http://schemas.openxmlformats.org/drawingml/2006/main" xmlns:r="http://schemas.openxmlformats.org/officeDocument/2006/relationships" xmlns:p="http://schemas.openxmlformats.org/presentationml/2006/main">
+  <p:cSld>
+    <p:spTree>
+      <p:nvGrpSpPr>
+        <p:cNvPr id="1" name=""/>
+        <p:cNvGrpSpPr/>
+        <p:nvPr/>
+      </p:nvGrpSpPr>
+      <p:grpSpPr>
+        <a:xfrm>
+          <a:off x="0" y="0"/>
+          <a:ext cx="0" cy="0"/>
+          <a:chOff x="0" y="0"/>
+          <a:chExt cx="0" cy="0"/>
+        </a:xfrm>
+      </p:grpSpPr>
+      <p:sp>
+        <p:nvSpPr>
+          <p:cNvPr id="2" name="Slide Image Placeholder 1"/>
+          <p:cNvSpPr>
+            <a:spLocks noGrp="1" noRot="1" noChangeAspect="1"/>
+          </p:cNvSpPr>
+          <p:nvPr>
+            <p:ph type="sldImg"/>
+          </p:nvPr>
+        </p:nvSpPr>
+        <p:spPr/>
+      </p:sp>
+      <p:sp>
+        <p:nvSpPr>
+          <p:cNvPr id="3" name="Notes Placeholder 2"/>
+          <p:cNvSpPr>
+            <a:spLocks noGrp="1"/>
+          </p:cNvSpPr>
+          <p:nvPr>
+            <p:ph type="body" idx="1"/>
+          </p:nvPr>
+        </p:nvSpPr>
+        <p:spPr/>
+        <p:txBody>
+          <a:bodyPr/>
+          <a:lstStyle/>
+          <a:p>
+            <a:r>
+              <a:rPr lang="en-US" dirty="0" smtClean="0"/>
+              <a:t>Figure 4 Data</a:t>
+            </a:r>
+            <a:r>
+              <a:rPr lang="en-US" baseline="0" dirty="0" smtClean="0"/>
+              <a:t> cleaning results from </a:t>
+            </a:r>
+            <a:r>
+              <a:rPr lang="en-US" baseline="0" dirty="0" err="1" smtClean="0"/>
+              <a:t>ExGCRn</a:t>
+            </a:r>
+            <a:r>
+              <a:rPr lang="en-US" baseline="0" dirty="0" smtClean="0"/>
+              <a:t> procedure</a:t>
+            </a:r>
+            <a:endParaRPr lang="en-US" dirty="0"/>
+          </a:p>
+        </p:txBody>
+      </p:sp>
+      <p:sp>
+        <p:nvSpPr>
+          <p:cNvPr id="4" name="Slide Number Placeholder 3"/>
+          <p:cNvSpPr>
+            <a:spLocks noGrp="1"/>
+          </p:cNvSpPr>
+          <p:nvPr>
+            <p:ph type="sldNum" sz="quarter" idx="10"/>
+          </p:nvPr>
+        </p:nvSpPr>
+        <p:spPr/>
+        <p:txBody>
+          <a:bodyPr/>
+          <a:lstStyle/>
+          <a:p>
+            <a:fld id="{FBDCEE2F-1E82-4629-B6CC-B0E3A96AD62F}" type="slidenum">
+              <a:rPr lang="en-US" smtClean="0"/>
+              <a:t>3</a:t>
+            </a:fld>
+            <a:endParaRPr lang="en-US"/>
+          </a:p>
+        </p:txBody>
+      </p:sp>
+    </p:spTree>
+    <p:extLst>
+      <p:ext uri="{BB962C8B-B14F-4D97-AF65-F5344CB8AC3E}">
+        <p14:creationId xmlns:p14="http://schemas.microsoft.com/office/powerpoint/2010/main" val="3094726679"/>
+      </p:ext>
+    </p:extLst>
+  </p:cSld>
+  <p:clrMapOvr>
+    <a:masterClrMapping/>
+  </p:clrMapOvr>
+</p:notes>
+</file>
+
 <file path=ppt/slideLayouts/slideLayout1.xml><?xml version="1.0" encoding="utf-8"?>
 <p:sldLayout xmlns:a="http://schemas.openxmlformats.org/drawingml/2006/main" xmlns:r="http://schemas.openxmlformats.org/officeDocument/2006/relationships" xmlns:p="http://schemas.openxmlformats.org/presentationml/2006/main" type="title" preserve="1">
   <p:cSld name="Title Slide">
@@ -291,7 +928,7 @@
           <a:p>
             <a:fld id="{D604A245-C8BD-064D-B7C3-50DA7C8D409F}" type="datetimeFigureOut">
               <a:rPr lang="en-US" smtClean="0"/>
-              <a:t>4/22/14</a:t>
+              <a:t>4/24/2014</a:t>
             </a:fld>
             <a:endParaRPr lang="en-US"/>
           </a:p>
@@ -461,7 +1098,7 @@
           <a:p>
             <a:fld id="{D604A245-C8BD-064D-B7C3-50DA7C8D409F}" type="datetimeFigureOut">
               <a:rPr lang="en-US" smtClean="0"/>
-              <a:t>4/22/14</a:t>
+              <a:t>4/24/2014</a:t>
             </a:fld>
             <a:endParaRPr lang="en-US"/>
           </a:p>
@@ -641,7 +1278,7 @@
           <a:p>
             <a:fld id="{D604A245-C8BD-064D-B7C3-50DA7C8D409F}" type="datetimeFigureOut">
               <a:rPr lang="en-US" smtClean="0"/>
-              <a:t>4/22/14</a:t>
+              <a:t>4/24/2014</a:t>
             </a:fld>
             <a:endParaRPr lang="en-US"/>
           </a:p>
@@ -811,7 +1448,7 @@
           <a:p>
             <a:fld id="{D604A245-C8BD-064D-B7C3-50DA7C8D409F}" type="datetimeFigureOut">
               <a:rPr lang="en-US" smtClean="0"/>
-              <a:t>4/22/14</a:t>
+              <a:t>4/24/2014</a:t>
             </a:fld>
             <a:endParaRPr lang="en-US"/>
           </a:p>
@@ -1057,7 +1694,7 @@
           <a:p>
             <a:fld id="{D604A245-C8BD-064D-B7C3-50DA7C8D409F}" type="datetimeFigureOut">
               <a:rPr lang="en-US" smtClean="0"/>
-              <a:t>4/22/14</a:t>
+              <a:t>4/24/2014</a:t>
             </a:fld>
             <a:endParaRPr lang="en-US"/>
           </a:p>
@@ -1345,7 +1982,7 @@
           <a:p>
             <a:fld id="{D604A245-C8BD-064D-B7C3-50DA7C8D409F}" type="datetimeFigureOut">
               <a:rPr lang="en-US" smtClean="0"/>
-              <a:t>4/22/14</a:t>
+              <a:t>4/24/2014</a:t>
             </a:fld>
             <a:endParaRPr lang="en-US"/>
           </a:p>
@@ -1767,7 +2404,7 @@
           <a:p>
             <a:fld id="{D604A245-C8BD-064D-B7C3-50DA7C8D409F}" type="datetimeFigureOut">
               <a:rPr lang="en-US" smtClean="0"/>
-              <a:t>4/22/14</a:t>
+              <a:t>4/24/2014</a:t>
             </a:fld>
             <a:endParaRPr lang="en-US"/>
           </a:p>
@@ -1885,7 +2522,7 @@
           <a:p>
             <a:fld id="{D604A245-C8BD-064D-B7C3-50DA7C8D409F}" type="datetimeFigureOut">
               <a:rPr lang="en-US" smtClean="0"/>
-              <a:t>4/22/14</a:t>
+              <a:t>4/24/2014</a:t>
             </a:fld>
             <a:endParaRPr lang="en-US"/>
           </a:p>
@@ -1980,7 +2617,7 @@
           <a:p>
             <a:fld id="{D604A245-C8BD-064D-B7C3-50DA7C8D409F}" type="datetimeFigureOut">
               <a:rPr lang="en-US" smtClean="0"/>
-              <a:t>4/22/14</a:t>
+              <a:t>4/24/2014</a:t>
             </a:fld>
             <a:endParaRPr lang="en-US"/>
           </a:p>
@@ -2257,7 +2894,7 @@
           <a:p>
             <a:fld id="{D604A245-C8BD-064D-B7C3-50DA7C8D409F}" type="datetimeFigureOut">
               <a:rPr lang="en-US" smtClean="0"/>
-              <a:t>4/22/14</a:t>
+              <a:t>4/24/2014</a:t>
             </a:fld>
             <a:endParaRPr lang="en-US"/>
           </a:p>
@@ -2510,7 +3147,7 @@
           <a:p>
             <a:fld id="{D604A245-C8BD-064D-B7C3-50DA7C8D409F}" type="datetimeFigureOut">
               <a:rPr lang="en-US" smtClean="0"/>
-              <a:t>4/22/14</a:t>
+              <a:t>4/24/2014</a:t>
             </a:fld>
             <a:endParaRPr lang="en-US"/>
           </a:p>
@@ -2723,7 +3360,7 @@
           <a:p>
             <a:fld id="{D604A245-C8BD-064D-B7C3-50DA7C8D409F}" type="datetimeFigureOut">
               <a:rPr lang="en-US" smtClean="0"/>
-              <a:t>4/22/14</a:t>
+              <a:t>4/24/2014</a:t>
             </a:fld>
             <a:endParaRPr lang="en-US"/>
           </a:p>
@@ -3107,7 +3744,7 @@
           <p:nvPr/>
         </p:nvPicPr>
         <p:blipFill>
-          <a:blip r:embed="rId2">
+          <a:blip r:embed="rId3">
             <a:extLst>
               <a:ext uri="{28A0092B-C50C-407E-A947-70E740481C1C}">
                 <a14:useLocalDpi xmlns:a14="http://schemas.microsoft.com/office/drawing/2010/main" val="0"/>
@@ -3132,14 +3769,14 @@
             <a:noFill/>
           </a:ln>
           <a:extLst>
-            <a:ext uri="{909E8E84-426E-40dd-AFC4-6F175D3DCCD1}">
+            <a:ext uri="{909E8E84-426E-40DD-AFC4-6F175D3DCCD1}">
               <a14:hiddenFill xmlns:a14="http://schemas.microsoft.com/office/drawing/2010/main">
                 <a:solidFill>
                   <a:schemeClr val="accent1"/>
                 </a:solidFill>
               </a14:hiddenFill>
             </a:ext>
-            <a:ext uri="{91240B29-F687-4f45-9708-019B960494DF}">
+            <a:ext uri="{91240B29-F687-4F45-9708-019B960494DF}">
               <a14:hiddenLine xmlns:a14="http://schemas.microsoft.com/office/drawing/2010/main" w="9525">
                 <a:solidFill>
                   <a:schemeClr val="tx1"/>
@@ -3161,7 +3798,7 @@
           <p:nvPr/>
         </p:nvPicPr>
         <p:blipFill>
-          <a:blip r:embed="rId3">
+          <a:blip r:embed="rId4">
             <a:extLst>
               <a:ext uri="{28A0092B-C50C-407E-A947-70E740481C1C}">
                 <a14:useLocalDpi xmlns:a14="http://schemas.microsoft.com/office/drawing/2010/main" val="0"/>
@@ -3186,14 +3823,14 @@
             <a:noFill/>
           </a:ln>
           <a:extLst>
-            <a:ext uri="{909E8E84-426E-40dd-AFC4-6F175D3DCCD1}">
+            <a:ext uri="{909E8E84-426E-40DD-AFC4-6F175D3DCCD1}">
               <a14:hiddenFill xmlns:a14="http://schemas.microsoft.com/office/drawing/2010/main">
                 <a:solidFill>
                   <a:schemeClr val="accent1"/>
                 </a:solidFill>
               </a14:hiddenFill>
             </a:ext>
-            <a:ext uri="{91240B29-F687-4f45-9708-019B960494DF}">
+            <a:ext uri="{91240B29-F687-4F45-9708-019B960494DF}">
               <a14:hiddenLine xmlns:a14="http://schemas.microsoft.com/office/drawing/2010/main" w="9525">
                 <a:solidFill>
                   <a:schemeClr val="tx1"/>
@@ -3215,7 +3852,7 @@
           <p:nvPr/>
         </p:nvPicPr>
         <p:blipFill>
-          <a:blip r:embed="rId4">
+          <a:blip r:embed="rId5">
             <a:extLst>
               <a:ext uri="{28A0092B-C50C-407E-A947-70E740481C1C}">
                 <a14:useLocalDpi xmlns:a14="http://schemas.microsoft.com/office/drawing/2010/main" val="0"/>
@@ -3240,14 +3877,14 @@
             <a:noFill/>
           </a:ln>
           <a:extLst>
-            <a:ext uri="{909E8E84-426E-40dd-AFC4-6F175D3DCCD1}">
+            <a:ext uri="{909E8E84-426E-40DD-AFC4-6F175D3DCCD1}">
               <a14:hiddenFill xmlns:a14="http://schemas.microsoft.com/office/drawing/2010/main">
                 <a:solidFill>
                   <a:schemeClr val="accent1"/>
                 </a:solidFill>
               </a14:hiddenFill>
             </a:ext>
-            <a:ext uri="{91240B29-F687-4f45-9708-019B960494DF}">
+            <a:ext uri="{91240B29-F687-4F45-9708-019B960494DF}">
               <a14:hiddenLine xmlns:a14="http://schemas.microsoft.com/office/drawing/2010/main" w="9525">
                 <a:solidFill>
                   <a:schemeClr val="tx1"/>
@@ -3269,7 +3906,7 @@
           <p:nvPr/>
         </p:nvPicPr>
         <p:blipFill>
-          <a:blip r:embed="rId5">
+          <a:blip r:embed="rId6">
             <a:extLst>
               <a:ext uri="{28A0092B-C50C-407E-A947-70E740481C1C}">
                 <a14:useLocalDpi xmlns:a14="http://schemas.microsoft.com/office/drawing/2010/main" val="0"/>
@@ -3343,7 +3980,7 @@
             <p:nvPr/>
           </p:nvPicPr>
           <p:blipFill>
-            <a:blip r:embed="rId2">
+            <a:blip r:embed="rId3">
               <a:extLst>
                 <a:ext uri="{28A0092B-C50C-407E-A947-70E740481C1C}">
                   <a14:useLocalDpi xmlns:a14="http://schemas.microsoft.com/office/drawing/2010/main" val="0"/>
@@ -3373,7 +4010,7 @@
             <p:nvPr/>
           </p:nvPicPr>
           <p:blipFill>
-            <a:blip r:embed="rId3">
+            <a:blip r:embed="rId4">
               <a:extLst>
                 <a:ext uri="{28A0092B-C50C-407E-A947-70E740481C1C}">
                   <a14:useLocalDpi xmlns:a14="http://schemas.microsoft.com/office/drawing/2010/main" val="0"/>
@@ -3398,14 +4035,14 @@
               <a:noFill/>
             </a:ln>
             <a:extLst>
-              <a:ext uri="{909E8E84-426E-40dd-AFC4-6F175D3DCCD1}">
+              <a:ext uri="{909E8E84-426E-40DD-AFC4-6F175D3DCCD1}">
                 <a14:hiddenFill xmlns:a14="http://schemas.microsoft.com/office/drawing/2010/main">
                   <a:solidFill>
                     <a:schemeClr val="accent1"/>
                   </a:solidFill>
                 </a14:hiddenFill>
               </a:ext>
-              <a:ext uri="{91240B29-F687-4f45-9708-019B960494DF}">
+              <a:ext uri="{91240B29-F687-4F45-9708-019B960494DF}">
                 <a14:hiddenLine xmlns:a14="http://schemas.microsoft.com/office/drawing/2010/main" w="9525">
                   <a:solidFill>
                     <a:schemeClr val="tx1"/>
@@ -3428,7 +4065,7 @@
           <p:nvPr/>
         </p:nvPicPr>
         <p:blipFill>
-          <a:blip r:embed="rId4">
+          <a:blip r:embed="rId5">
             <a:extLst>
               <a:ext uri="{28A0092B-C50C-407E-A947-70E740481C1C}">
                 <a14:useLocalDpi xmlns:a14="http://schemas.microsoft.com/office/drawing/2010/main" val="0"/>
@@ -3450,7 +4087,7 @@
           </a:prstGeom>
           <a:noFill/>
           <a:extLst>
-            <a:ext uri="{909E8E84-426E-40dd-AFC4-6F175D3DCCD1}">
+            <a:ext uri="{909E8E84-426E-40DD-AFC4-6F175D3DCCD1}">
               <a14:hiddenFill xmlns:a14="http://schemas.microsoft.com/office/drawing/2010/main">
                 <a:solidFill>
                   <a:srgbClr val="FFFFFF"/>
@@ -3469,7 +4106,7 @@
           <p:nvPr/>
         </p:nvPicPr>
         <p:blipFill>
-          <a:blip r:embed="rId5">
+          <a:blip r:embed="rId6">
             <a:extLst>
               <a:ext uri="{28A0092B-C50C-407E-A947-70E740481C1C}">
                 <a14:useLocalDpi xmlns:a14="http://schemas.microsoft.com/office/drawing/2010/main" val="0"/>
@@ -3491,7 +4128,7 @@
           </a:prstGeom>
           <a:noFill/>
           <a:extLst>
-            <a:ext uri="{909E8E84-426E-40dd-AFC4-6F175D3DCCD1}">
+            <a:ext uri="{909E8E84-426E-40DD-AFC4-6F175D3DCCD1}">
               <a14:hiddenFill xmlns:a14="http://schemas.microsoft.com/office/drawing/2010/main">
                 <a:solidFill>
                   <a:srgbClr val="FFFFFF"/>
@@ -3510,7 +4147,7 @@
           <p:nvPr/>
         </p:nvPicPr>
         <p:blipFill>
-          <a:blip r:embed="rId6">
+          <a:blip r:embed="rId7">
             <a:extLst>
               <a:ext uri="{28A0092B-C50C-407E-A947-70E740481C1C}">
                 <a14:useLocalDpi xmlns:a14="http://schemas.microsoft.com/office/drawing/2010/main" val="0"/>
@@ -3532,7 +4169,7 @@
           </a:prstGeom>
           <a:noFill/>
           <a:extLst>
-            <a:ext uri="{909E8E84-426E-40dd-AFC4-6F175D3DCCD1}">
+            <a:ext uri="{909E8E84-426E-40DD-AFC4-6F175D3DCCD1}">
               <a14:hiddenFill xmlns:a14="http://schemas.microsoft.com/office/drawing/2010/main">
                 <a:solidFill>
                   <a:srgbClr val="FFFFFF"/>
@@ -3555,7 +4192,7 @@
   <p:timing>
     <p:tnLst>
       <p:par>
-        <p:cTn xmlns:p14="http://schemas.microsoft.com/office/powerpoint/2010/main" id="1" dur="indefinite" restart="never" nodeType="tmRoot"/>
+        <p:cTn id="1" dur="indefinite" restart="never" nodeType="tmRoot"/>
       </p:par>
     </p:tnLst>
   </p:timing>
@@ -3602,7 +4239,7 @@
             <p:nvPr/>
           </p:nvPicPr>
           <p:blipFill>
-            <a:blip r:embed="rId2">
+            <a:blip r:embed="rId3">
               <a:extLst>
                 <a:ext uri="{28A0092B-C50C-407E-A947-70E740481C1C}">
                   <a14:useLocalDpi xmlns:a14="http://schemas.microsoft.com/office/drawing/2010/main" val="0"/>
@@ -4059,7 +4696,7 @@
               <p:nvPr/>
             </p:nvPicPr>
             <p:blipFill>
-              <a:blip r:embed="rId3">
+              <a:blip r:embed="rId4">
                 <a:extLst>
                   <a:ext uri="{28A0092B-C50C-407E-A947-70E740481C1C}">
                     <a14:useLocalDpi xmlns:a14="http://schemas.microsoft.com/office/drawing/2010/main" val="0"/>
@@ -4089,7 +4726,7 @@
               <p:nvPr/>
             </p:nvPicPr>
             <p:blipFill>
-              <a:blip r:embed="rId4">
+              <a:blip r:embed="rId5">
                 <a:extLst>
                   <a:ext uri="{28A0092B-C50C-407E-A947-70E740481C1C}">
                     <a14:useLocalDpi xmlns:a14="http://schemas.microsoft.com/office/drawing/2010/main" val="0"/>
@@ -4114,14 +4751,14 @@
                 <a:noFill/>
               </a:ln>
               <a:extLst>
-                <a:ext uri="{909E8E84-426E-40dd-AFC4-6F175D3DCCD1}">
+                <a:ext uri="{909E8E84-426E-40DD-AFC4-6F175D3DCCD1}">
                   <a14:hiddenFill xmlns:a14="http://schemas.microsoft.com/office/drawing/2010/main">
                     <a:solidFill>
                       <a:schemeClr val="accent1"/>
                     </a:solidFill>
                   </a14:hiddenFill>
                 </a:ext>
-                <a:ext uri="{91240B29-F687-4f45-9708-019B960494DF}">
+                <a:ext uri="{91240B29-F687-4F45-9708-019B960494DF}">
                   <a14:hiddenLine xmlns:a14="http://schemas.microsoft.com/office/drawing/2010/main" w="9525">
                     <a:solidFill>
                       <a:schemeClr val="tx1"/>
@@ -4296,7 +4933,7 @@
   <p:timing>
     <p:tnLst>
       <p:par>
-        <p:cTn xmlns:p14="http://schemas.microsoft.com/office/powerpoint/2010/main" id="1" dur="indefinite" restart="never" nodeType="tmRoot"/>
+        <p:cTn id="1" dur="indefinite" restart="never" nodeType="tmRoot"/>
       </p:par>
     </p:tnLst>
   </p:timing>
@@ -4699,4 +5336,289 @@
   </a:objectDefaults>
   <a:extraClrSchemeLst/>
 </a:theme>
+</file>
+
+<file path=ppt/theme/theme2.xml><?xml version="1.0" encoding="utf-8"?>
+<a:theme xmlns:a="http://schemas.openxmlformats.org/drawingml/2006/main" name="Office Theme">
+  <a:themeElements>
+    <a:clrScheme name="Office">
+      <a:dk1>
+        <a:sysClr val="windowText" lastClr="000000"/>
+      </a:dk1>
+      <a:lt1>
+        <a:sysClr val="window" lastClr="FFFFFF"/>
+      </a:lt1>
+      <a:dk2>
+        <a:srgbClr val="1F497D"/>
+      </a:dk2>
+      <a:lt2>
+        <a:srgbClr val="EEECE1"/>
+      </a:lt2>
+      <a:accent1>
+        <a:srgbClr val="4F81BD"/>
+      </a:accent1>
+      <a:accent2>
+        <a:srgbClr val="C0504D"/>
+      </a:accent2>
+      <a:accent3>
+        <a:srgbClr val="9BBB59"/>
+      </a:accent3>
+      <a:accent4>
+        <a:srgbClr val="8064A2"/>
+      </a:accent4>
+      <a:accent5>
+        <a:srgbClr val="4BACC6"/>
+      </a:accent5>
+      <a:accent6>
+        <a:srgbClr val="F79646"/>
+      </a:accent6>
+      <a:hlink>
+        <a:srgbClr val="0000FF"/>
+      </a:hlink>
+      <a:folHlink>
+        <a:srgbClr val="800080"/>
+      </a:folHlink>
+    </a:clrScheme>
+    <a:fontScheme name="Office">
+      <a:majorFont>
+        <a:latin typeface="Calibri"/>
+        <a:ea typeface=""/>
+        <a:cs typeface=""/>
+        <a:font script="Jpan" typeface="ＭＳ Ｐゴシック"/>
+        <a:font script="Hang" typeface="맑은 고딕"/>
+        <a:font script="Hans" typeface="宋体"/>
+        <a:font script="Hant" typeface="新細明體"/>
+        <a:font script="Arab" typeface="Times New Roman"/>
+        <a:font script="Hebr" typeface="Times New Roman"/>
+        <a:font script="Thai" typeface="Angsana New"/>
+        <a:font script="Ethi" typeface="Nyala"/>
+        <a:font script="Beng" typeface="Vrinda"/>
+        <a:font script="Gujr" typeface="Shruti"/>
+        <a:font script="Khmr" typeface="MoolBoran"/>
+        <a:font script="Knda" typeface="Tunga"/>
+        <a:font script="Guru" typeface="Raavi"/>
+        <a:font script="Cans" typeface="Euphemia"/>
+        <a:font script="Cher" typeface="Plantagenet Cherokee"/>
+        <a:font script="Yiii" typeface="Microsoft Yi Baiti"/>
+        <a:font script="Tibt" typeface="Microsoft Himalaya"/>
+        <a:font script="Thaa" typeface="MV Boli"/>
+        <a:font script="Deva" typeface="Mangal"/>
+        <a:font script="Telu" typeface="Gautami"/>
+        <a:font script="Taml" typeface="Latha"/>
+        <a:font script="Syrc" typeface="Estrangelo Edessa"/>
+        <a:font script="Orya" typeface="Kalinga"/>
+        <a:font script="Mlym" typeface="Kartika"/>
+        <a:font script="Laoo" typeface="DokChampa"/>
+        <a:font script="Sinh" typeface="Iskoola Pota"/>
+        <a:font script="Mong" typeface="Mongolian Baiti"/>
+        <a:font script="Viet" typeface="Times New Roman"/>
+        <a:font script="Uigh" typeface="Microsoft Uighur"/>
+        <a:font script="Geor" typeface="Sylfaen"/>
+      </a:majorFont>
+      <a:minorFont>
+        <a:latin typeface="Calibri"/>
+        <a:ea typeface=""/>
+        <a:cs typeface=""/>
+        <a:font script="Jpan" typeface="ＭＳ Ｐゴシック"/>
+        <a:font script="Hang" typeface="맑은 고딕"/>
+        <a:font script="Hans" typeface="宋体"/>
+        <a:font script="Hant" typeface="新細明體"/>
+        <a:font script="Arab" typeface="Arial"/>
+        <a:font script="Hebr" typeface="Arial"/>
+        <a:font script="Thai" typeface="Cordia New"/>
+        <a:font script="Ethi" typeface="Nyala"/>
+        <a:font script="Beng" typeface="Vrinda"/>
+        <a:font script="Gujr" typeface="Shruti"/>
+        <a:font script="Khmr" typeface="DaunPenh"/>
+        <a:font script="Knda" typeface="Tunga"/>
+        <a:font script="Guru" typeface="Raavi"/>
+        <a:font script="Cans" typeface="Euphemia"/>
+        <a:font script="Cher" typeface="Plantagenet Cherokee"/>
+        <a:font script="Yiii" typeface="Microsoft Yi Baiti"/>
+        <a:font script="Tibt" typeface="Microsoft Himalaya"/>
+        <a:font script="Thaa" typeface="MV Boli"/>
+        <a:font script="Deva" typeface="Mangal"/>
+        <a:font script="Telu" typeface="Gautami"/>
+        <a:font script="Taml" typeface="Latha"/>
+        <a:font script="Syrc" typeface="Estrangelo Edessa"/>
+        <a:font script="Orya" typeface="Kalinga"/>
+        <a:font script="Mlym" typeface="Kartika"/>
+        <a:font script="Laoo" typeface="DokChampa"/>
+        <a:font script="Sinh" typeface="Iskoola Pota"/>
+        <a:font script="Mong" typeface="Mongolian Baiti"/>
+        <a:font script="Viet" typeface="Arial"/>
+        <a:font script="Uigh" typeface="Microsoft Uighur"/>
+        <a:font script="Geor" typeface="Sylfaen"/>
+      </a:minorFont>
+    </a:fontScheme>
+    <a:fmtScheme name="Office">
+      <a:fillStyleLst>
+        <a:solidFill>
+          <a:schemeClr val="phClr"/>
+        </a:solidFill>
+        <a:gradFill rotWithShape="1">
+          <a:gsLst>
+            <a:gs pos="0">
+              <a:schemeClr val="phClr">
+                <a:tint val="50000"/>
+                <a:satMod val="300000"/>
+              </a:schemeClr>
+            </a:gs>
+            <a:gs pos="35000">
+              <a:schemeClr val="phClr">
+                <a:tint val="37000"/>
+                <a:satMod val="300000"/>
+              </a:schemeClr>
+            </a:gs>
+            <a:gs pos="100000">
+              <a:schemeClr val="phClr">
+                <a:tint val="15000"/>
+                <a:satMod val="350000"/>
+              </a:schemeClr>
+            </a:gs>
+          </a:gsLst>
+          <a:lin ang="16200000" scaled="1"/>
+        </a:gradFill>
+        <a:gradFill rotWithShape="1">
+          <a:gsLst>
+            <a:gs pos="0">
+              <a:schemeClr val="phClr">
+                <a:shade val="51000"/>
+                <a:satMod val="130000"/>
+              </a:schemeClr>
+            </a:gs>
+            <a:gs pos="80000">
+              <a:schemeClr val="phClr">
+                <a:shade val="93000"/>
+                <a:satMod val="130000"/>
+              </a:schemeClr>
+            </a:gs>
+            <a:gs pos="100000">
+              <a:schemeClr val="phClr">
+                <a:shade val="94000"/>
+                <a:satMod val="135000"/>
+              </a:schemeClr>
+            </a:gs>
+          </a:gsLst>
+          <a:lin ang="16200000" scaled="0"/>
+        </a:gradFill>
+      </a:fillStyleLst>
+      <a:lnStyleLst>
+        <a:ln w="9525" cap="flat" cmpd="sng" algn="ctr">
+          <a:solidFill>
+            <a:schemeClr val="phClr">
+              <a:shade val="95000"/>
+              <a:satMod val="105000"/>
+            </a:schemeClr>
+          </a:solidFill>
+          <a:prstDash val="solid"/>
+        </a:ln>
+        <a:ln w="25400" cap="flat" cmpd="sng" algn="ctr">
+          <a:solidFill>
+            <a:schemeClr val="phClr"/>
+          </a:solidFill>
+          <a:prstDash val="solid"/>
+        </a:ln>
+        <a:ln w="38100" cap="flat" cmpd="sng" algn="ctr">
+          <a:solidFill>
+            <a:schemeClr val="phClr"/>
+          </a:solidFill>
+          <a:prstDash val="solid"/>
+        </a:ln>
+      </a:lnStyleLst>
+      <a:effectStyleLst>
+        <a:effectStyle>
+          <a:effectLst>
+            <a:outerShdw blurRad="40000" dist="20000" dir="5400000" rotWithShape="0">
+              <a:srgbClr val="000000">
+                <a:alpha val="38000"/>
+              </a:srgbClr>
+            </a:outerShdw>
+          </a:effectLst>
+        </a:effectStyle>
+        <a:effectStyle>
+          <a:effectLst>
+            <a:outerShdw blurRad="40000" dist="23000" dir="5400000" rotWithShape="0">
+              <a:srgbClr val="000000">
+                <a:alpha val="35000"/>
+              </a:srgbClr>
+            </a:outerShdw>
+          </a:effectLst>
+        </a:effectStyle>
+        <a:effectStyle>
+          <a:effectLst>
+            <a:outerShdw blurRad="40000" dist="23000" dir="5400000" rotWithShape="0">
+              <a:srgbClr val="000000">
+                <a:alpha val="35000"/>
+              </a:srgbClr>
+            </a:outerShdw>
+          </a:effectLst>
+          <a:scene3d>
+            <a:camera prst="orthographicFront">
+              <a:rot lat="0" lon="0" rev="0"/>
+            </a:camera>
+            <a:lightRig rig="threePt" dir="t">
+              <a:rot lat="0" lon="0" rev="1200000"/>
+            </a:lightRig>
+          </a:scene3d>
+          <a:sp3d>
+            <a:bevelT w="63500" h="25400"/>
+          </a:sp3d>
+        </a:effectStyle>
+      </a:effectStyleLst>
+      <a:bgFillStyleLst>
+        <a:solidFill>
+          <a:schemeClr val="phClr"/>
+        </a:solidFill>
+        <a:gradFill rotWithShape="1">
+          <a:gsLst>
+            <a:gs pos="0">
+              <a:schemeClr val="phClr">
+                <a:tint val="40000"/>
+                <a:satMod val="350000"/>
+              </a:schemeClr>
+            </a:gs>
+            <a:gs pos="40000">
+              <a:schemeClr val="phClr">
+                <a:tint val="45000"/>
+                <a:shade val="99000"/>
+                <a:satMod val="350000"/>
+              </a:schemeClr>
+            </a:gs>
+            <a:gs pos="100000">
+              <a:schemeClr val="phClr">
+                <a:shade val="20000"/>
+                <a:satMod val="255000"/>
+              </a:schemeClr>
+            </a:gs>
+          </a:gsLst>
+          <a:path path="circle">
+            <a:fillToRect l="50000" t="-80000" r="50000" b="180000"/>
+          </a:path>
+        </a:gradFill>
+        <a:gradFill rotWithShape="1">
+          <a:gsLst>
+            <a:gs pos="0">
+              <a:schemeClr val="phClr">
+                <a:tint val="80000"/>
+                <a:satMod val="300000"/>
+              </a:schemeClr>
+            </a:gs>
+            <a:gs pos="100000">
+              <a:schemeClr val="phClr">
+                <a:shade val="30000"/>
+                <a:satMod val="200000"/>
+              </a:schemeClr>
+            </a:gs>
+          </a:gsLst>
+          <a:path path="circle">
+            <a:fillToRect l="50000" t="50000" r="50000" b="50000"/>
+          </a:path>
+        </a:gradFill>
+      </a:bgFillStyleLst>
+    </a:fmtScheme>
+  </a:themeElements>
+  <a:objectDefaults/>
+  <a:extraClrSchemeLst/>
+</a:theme>
 </file>
--- a/manuscript/figures.pptx
+++ b/manuscript/figures.pptx
@@ -5,13 +5,14 @@
     <p:sldMasterId id="2147483648" r:id="rId1"/>
   </p:sldMasterIdLst>
   <p:notesMasterIdLst>
-    <p:notesMasterId r:id="rId6"/>
+    <p:notesMasterId r:id="rId7"/>
   </p:notesMasterIdLst>
   <p:sldIdLst>
     <p:sldId id="263" r:id="rId2"/>
     <p:sldId id="264" r:id="rId3"/>
     <p:sldId id="265" r:id="rId4"/>
     <p:sldId id="266" r:id="rId5"/>
+    <p:sldId id="267" r:id="rId6"/>
   </p:sldIdLst>
   <p:sldSz cx="9144000" cy="6858000" type="screen4x3"/>
   <p:notesSz cx="6858000" cy="9144000"/>
@@ -195,7 +196,7 @@
           <a:p>
             <a:fld id="{8B4EBA7A-56E1-4937-B6A7-4CCE0E7AD144}" type="datetimeFigureOut">
               <a:rPr lang="en-US" smtClean="0"/>
-              <a:t>4/24/2014</a:t>
+              <a:t>9/19/2014</a:t>
             </a:fld>
             <a:endParaRPr lang="en-US"/>
           </a:p>
@@ -747,6 +748,102 @@
 </p:notes>
 </file>
 
+<file path=ppt/notesSlides/notesSlide4.xml><?xml version="1.0" encoding="utf-8"?>
+<p:notes xmlns:a="http://schemas.openxmlformats.org/drawingml/2006/main" xmlns:r="http://schemas.openxmlformats.org/officeDocument/2006/relationships" xmlns:p="http://schemas.openxmlformats.org/presentationml/2006/main">
+  <p:cSld>
+    <p:spTree>
+      <p:nvGrpSpPr>
+        <p:cNvPr id="1" name=""/>
+        <p:cNvGrpSpPr/>
+        <p:nvPr/>
+      </p:nvGrpSpPr>
+      <p:grpSpPr>
+        <a:xfrm>
+          <a:off x="0" y="0"/>
+          <a:ext cx="0" cy="0"/>
+          <a:chOff x="0" y="0"/>
+          <a:chExt cx="0" cy="0"/>
+        </a:xfrm>
+      </p:grpSpPr>
+      <p:sp>
+        <p:nvSpPr>
+          <p:cNvPr id="2" name="Slide Image Placeholder 1"/>
+          <p:cNvSpPr>
+            <a:spLocks noGrp="1" noRot="1" noChangeAspect="1"/>
+          </p:cNvSpPr>
+          <p:nvPr>
+            <p:ph type="sldImg"/>
+          </p:nvPr>
+        </p:nvSpPr>
+        <p:spPr/>
+      </p:sp>
+      <p:sp>
+        <p:nvSpPr>
+          <p:cNvPr id="3" name="Notes Placeholder 2"/>
+          <p:cNvSpPr>
+            <a:spLocks noGrp="1"/>
+          </p:cNvSpPr>
+          <p:nvPr>
+            <p:ph type="body" idx="1"/>
+          </p:nvPr>
+        </p:nvSpPr>
+        <p:spPr/>
+        <p:txBody>
+          <a:bodyPr/>
+          <a:lstStyle/>
+          <a:p>
+            <a:r>
+              <a:rPr lang="en-US" dirty="0" smtClean="0"/>
+              <a:t>Variables in </a:t>
+            </a:r>
+            <a:r>
+              <a:rPr lang="en-US" dirty="0" err="1" smtClean="0"/>
+              <a:t>rpart</a:t>
+            </a:r>
+            <a:r>
+              <a:rPr lang="en-US" smtClean="0"/>
+              <a:t>…</a:t>
+            </a:r>
+            <a:endParaRPr lang="en-US"/>
+          </a:p>
+        </p:txBody>
+      </p:sp>
+      <p:sp>
+        <p:nvSpPr>
+          <p:cNvPr id="4" name="Slide Number Placeholder 3"/>
+          <p:cNvSpPr>
+            <a:spLocks noGrp="1"/>
+          </p:cNvSpPr>
+          <p:nvPr>
+            <p:ph type="sldNum" sz="quarter" idx="10"/>
+          </p:nvPr>
+        </p:nvSpPr>
+        <p:spPr/>
+        <p:txBody>
+          <a:bodyPr/>
+          <a:lstStyle/>
+          <a:p>
+            <a:fld id="{FBDCEE2F-1E82-4629-B6CC-B0E3A96AD62F}" type="slidenum">
+              <a:rPr lang="en-US" smtClean="0"/>
+              <a:t>5</a:t>
+            </a:fld>
+            <a:endParaRPr lang="en-US"/>
+          </a:p>
+        </p:txBody>
+      </p:sp>
+    </p:spTree>
+    <p:extLst>
+      <p:ext uri="{BB962C8B-B14F-4D97-AF65-F5344CB8AC3E}">
+        <p14:creationId xmlns:p14="http://schemas.microsoft.com/office/powerpoint/2010/main" val="3737693192"/>
+      </p:ext>
+    </p:extLst>
+  </p:cSld>
+  <p:clrMapOvr>
+    <a:masterClrMapping/>
+  </p:clrMapOvr>
+</p:notes>
+</file>
+
 <file path=ppt/slideLayouts/slideLayout1.xml><?xml version="1.0" encoding="utf-8"?>
 <p:sldLayout xmlns:a="http://schemas.openxmlformats.org/drawingml/2006/main" xmlns:r="http://schemas.openxmlformats.org/officeDocument/2006/relationships" xmlns:p="http://schemas.openxmlformats.org/presentationml/2006/main" type="title" preserve="1">
   <p:cSld name="Title Slide">
@@ -928,7 +1025,7 @@
           <a:p>
             <a:fld id="{D604A245-C8BD-064D-B7C3-50DA7C8D409F}" type="datetimeFigureOut">
               <a:rPr lang="en-US" smtClean="0"/>
-              <a:t>4/24/2014</a:t>
+              <a:t>9/19/2014</a:t>
             </a:fld>
             <a:endParaRPr lang="en-US"/>
           </a:p>
@@ -1098,7 +1195,7 @@
           <a:p>
             <a:fld id="{D604A245-C8BD-064D-B7C3-50DA7C8D409F}" type="datetimeFigureOut">
               <a:rPr lang="en-US" smtClean="0"/>
-              <a:t>4/24/2014</a:t>
+              <a:t>9/19/2014</a:t>
             </a:fld>
             <a:endParaRPr lang="en-US"/>
           </a:p>
@@ -1278,7 +1375,7 @@
           <a:p>
             <a:fld id="{D604A245-C8BD-064D-B7C3-50DA7C8D409F}" type="datetimeFigureOut">
               <a:rPr lang="en-US" smtClean="0"/>
-              <a:t>4/24/2014</a:t>
+              <a:t>9/19/2014</a:t>
             </a:fld>
             <a:endParaRPr lang="en-US"/>
           </a:p>
@@ -1448,7 +1545,7 @@
           <a:p>
             <a:fld id="{D604A245-C8BD-064D-B7C3-50DA7C8D409F}" type="datetimeFigureOut">
               <a:rPr lang="en-US" smtClean="0"/>
-              <a:t>4/24/2014</a:t>
+              <a:t>9/19/2014</a:t>
             </a:fld>
             <a:endParaRPr lang="en-US"/>
           </a:p>
@@ -1694,7 +1791,7 @@
           <a:p>
             <a:fld id="{D604A245-C8BD-064D-B7C3-50DA7C8D409F}" type="datetimeFigureOut">
               <a:rPr lang="en-US" smtClean="0"/>
-              <a:t>4/24/2014</a:t>
+              <a:t>9/19/2014</a:t>
             </a:fld>
             <a:endParaRPr lang="en-US"/>
           </a:p>
@@ -1982,7 +2079,7 @@
           <a:p>
             <a:fld id="{D604A245-C8BD-064D-B7C3-50DA7C8D409F}" type="datetimeFigureOut">
               <a:rPr lang="en-US" smtClean="0"/>
-              <a:t>4/24/2014</a:t>
+              <a:t>9/19/2014</a:t>
             </a:fld>
             <a:endParaRPr lang="en-US"/>
           </a:p>
@@ -2404,7 +2501,7 @@
           <a:p>
             <a:fld id="{D604A245-C8BD-064D-B7C3-50DA7C8D409F}" type="datetimeFigureOut">
               <a:rPr lang="en-US" smtClean="0"/>
-              <a:t>4/24/2014</a:t>
+              <a:t>9/19/2014</a:t>
             </a:fld>
             <a:endParaRPr lang="en-US"/>
           </a:p>
@@ -2522,7 +2619,7 @@
           <a:p>
             <a:fld id="{D604A245-C8BD-064D-B7C3-50DA7C8D409F}" type="datetimeFigureOut">
               <a:rPr lang="en-US" smtClean="0"/>
-              <a:t>4/24/2014</a:t>
+              <a:t>9/19/2014</a:t>
             </a:fld>
             <a:endParaRPr lang="en-US"/>
           </a:p>
@@ -2617,7 +2714,7 @@
           <a:p>
             <a:fld id="{D604A245-C8BD-064D-B7C3-50DA7C8D409F}" type="datetimeFigureOut">
               <a:rPr lang="en-US" smtClean="0"/>
-              <a:t>4/24/2014</a:t>
+              <a:t>9/19/2014</a:t>
             </a:fld>
             <a:endParaRPr lang="en-US"/>
           </a:p>
@@ -2894,7 +2991,7 @@
           <a:p>
             <a:fld id="{D604A245-C8BD-064D-B7C3-50DA7C8D409F}" type="datetimeFigureOut">
               <a:rPr lang="en-US" smtClean="0"/>
-              <a:t>4/24/2014</a:t>
+              <a:t>9/19/2014</a:t>
             </a:fld>
             <a:endParaRPr lang="en-US"/>
           </a:p>
@@ -3147,7 +3244,7 @@
           <a:p>
             <a:fld id="{D604A245-C8BD-064D-B7C3-50DA7C8D409F}" type="datetimeFigureOut">
               <a:rPr lang="en-US" smtClean="0"/>
-              <a:t>4/24/2014</a:t>
+              <a:t>9/19/2014</a:t>
             </a:fld>
             <a:endParaRPr lang="en-US"/>
           </a:p>
@@ -3360,7 +3457,7 @@
           <a:p>
             <a:fld id="{D604A245-C8BD-064D-B7C3-50DA7C8D409F}" type="datetimeFigureOut">
               <a:rPr lang="en-US" smtClean="0"/>
-              <a:t>4/24/2014</a:t>
+              <a:t>9/19/2014</a:t>
             </a:fld>
             <a:endParaRPr lang="en-US"/>
           </a:p>
@@ -5018,6 +5115,66 @@
 </p:sld>
 </file>
 
+<file path=ppt/slides/slide5.xml><?xml version="1.0" encoding="utf-8"?>
+<p:sld xmlns:a="http://schemas.openxmlformats.org/drawingml/2006/main" xmlns:r="http://schemas.openxmlformats.org/officeDocument/2006/relationships" xmlns:p="http://schemas.openxmlformats.org/presentationml/2006/main">
+  <p:cSld>
+    <p:spTree>
+      <p:nvGrpSpPr>
+        <p:cNvPr id="1" name=""/>
+        <p:cNvGrpSpPr/>
+        <p:nvPr/>
+      </p:nvGrpSpPr>
+      <p:grpSpPr>
+        <a:xfrm>
+          <a:off x="0" y="0"/>
+          <a:ext cx="0" cy="0"/>
+          <a:chOff x="0" y="0"/>
+          <a:chExt cx="0" cy="0"/>
+        </a:xfrm>
+      </p:grpSpPr>
+      <p:pic>
+        <p:nvPicPr>
+          <p:cNvPr id="2" name="Picture 1"/>
+          <p:cNvPicPr>
+            <a:picLocks noChangeAspect="1"/>
+          </p:cNvPicPr>
+          <p:nvPr/>
+        </p:nvPicPr>
+        <p:blipFill>
+          <a:blip r:embed="rId3">
+            <a:extLst>
+              <a:ext uri="{28A0092B-C50C-407E-A947-70E740481C1C}">
+                <a14:useLocalDpi xmlns:a14="http://schemas.microsoft.com/office/drawing/2010/main" val="0"/>
+              </a:ext>
+            </a:extLst>
+          </a:blip>
+          <a:stretch>
+            <a:fillRect/>
+          </a:stretch>
+        </p:blipFill>
+        <p:spPr>
+          <a:xfrm>
+            <a:off x="1371600" y="233362"/>
+            <a:ext cx="6400800" cy="6391275"/>
+          </a:xfrm>
+          <a:prstGeom prst="rect">
+            <a:avLst/>
+          </a:prstGeom>
+        </p:spPr>
+      </p:pic>
+    </p:spTree>
+    <p:extLst>
+      <p:ext uri="{BB962C8B-B14F-4D97-AF65-F5344CB8AC3E}">
+        <p14:creationId xmlns:p14="http://schemas.microsoft.com/office/powerpoint/2010/main" val="4013497343"/>
+      </p:ext>
+    </p:extLst>
+  </p:cSld>
+  <p:clrMapOvr>
+    <a:masterClrMapping/>
+  </p:clrMapOvr>
+</p:sld>
+</file>
+
 <file path=ppt/theme/theme1.xml><?xml version="1.0" encoding="utf-8"?>
 <a:theme xmlns:a="http://schemas.openxmlformats.org/drawingml/2006/main" name="Office Theme">
   <a:themeElements>

--- a/manuscript/figures.pptx
+++ b/manuscript/figures.pptx
@@ -5,14 +5,15 @@
     <p:sldMasterId id="2147483648" r:id="rId1"/>
   </p:sldMasterIdLst>
   <p:notesMasterIdLst>
-    <p:notesMasterId r:id="rId7"/>
+    <p:notesMasterId r:id="rId8"/>
   </p:notesMasterIdLst>
   <p:sldIdLst>
     <p:sldId id="263" r:id="rId2"/>
     <p:sldId id="264" r:id="rId3"/>
     <p:sldId id="265" r:id="rId4"/>
-    <p:sldId id="266" r:id="rId5"/>
-    <p:sldId id="267" r:id="rId6"/>
+    <p:sldId id="267" r:id="rId5"/>
+    <p:sldId id="268" r:id="rId6"/>
+    <p:sldId id="269" r:id="rId7"/>
   </p:sldIdLst>
   <p:sldSz cx="9144000" cy="6858000" type="screen4x3"/>
   <p:notesSz cx="6858000" cy="9144000"/>
@@ -196,7 +197,7 @@
           <a:p>
             <a:fld id="{8B4EBA7A-56E1-4937-B6A7-4CCE0E7AD144}" type="datetimeFigureOut">
               <a:rPr lang="en-US" smtClean="0"/>
-              <a:t>9/19/2014</a:t>
+              <a:t>9/26/2014</a:t>
             </a:fld>
             <a:endParaRPr lang="en-US"/>
           </a:p>
@@ -825,7 +826,7 @@
           <a:p>
             <a:fld id="{FBDCEE2F-1E82-4629-B6CC-B0E3A96AD62F}" type="slidenum">
               <a:rPr lang="en-US" smtClean="0"/>
-              <a:t>5</a:t>
+              <a:t>4</a:t>
             </a:fld>
             <a:endParaRPr lang="en-US"/>
           </a:p>
@@ -1025,7 +1026,7 @@
           <a:p>
             <a:fld id="{D604A245-C8BD-064D-B7C3-50DA7C8D409F}" type="datetimeFigureOut">
               <a:rPr lang="en-US" smtClean="0"/>
-              <a:t>9/19/2014</a:t>
+              <a:t>9/26/2014</a:t>
             </a:fld>
             <a:endParaRPr lang="en-US"/>
           </a:p>
@@ -1195,7 +1196,7 @@
           <a:p>
             <a:fld id="{D604A245-C8BD-064D-B7C3-50DA7C8D409F}" type="datetimeFigureOut">
               <a:rPr lang="en-US" smtClean="0"/>
-              <a:t>9/19/2014</a:t>
+              <a:t>9/26/2014</a:t>
             </a:fld>
             <a:endParaRPr lang="en-US"/>
           </a:p>
@@ -1375,7 +1376,7 @@
           <a:p>
             <a:fld id="{D604A245-C8BD-064D-B7C3-50DA7C8D409F}" type="datetimeFigureOut">
               <a:rPr lang="en-US" smtClean="0"/>
-              <a:t>9/19/2014</a:t>
+              <a:t>9/26/2014</a:t>
             </a:fld>
             <a:endParaRPr lang="en-US"/>
           </a:p>
@@ -1545,7 +1546,7 @@
           <a:p>
             <a:fld id="{D604A245-C8BD-064D-B7C3-50DA7C8D409F}" type="datetimeFigureOut">
               <a:rPr lang="en-US" smtClean="0"/>
-              <a:t>9/19/2014</a:t>
+              <a:t>9/26/2014</a:t>
             </a:fld>
             <a:endParaRPr lang="en-US"/>
           </a:p>
@@ -1791,7 +1792,7 @@
           <a:p>
             <a:fld id="{D604A245-C8BD-064D-B7C3-50DA7C8D409F}" type="datetimeFigureOut">
               <a:rPr lang="en-US" smtClean="0"/>
-              <a:t>9/19/2014</a:t>
+              <a:t>9/26/2014</a:t>
             </a:fld>
             <a:endParaRPr lang="en-US"/>
           </a:p>
@@ -2079,7 +2080,7 @@
           <a:p>
             <a:fld id="{D604A245-C8BD-064D-B7C3-50DA7C8D409F}" type="datetimeFigureOut">
               <a:rPr lang="en-US" smtClean="0"/>
-              <a:t>9/19/2014</a:t>
+              <a:t>9/26/2014</a:t>
             </a:fld>
             <a:endParaRPr lang="en-US"/>
           </a:p>
@@ -2501,7 +2502,7 @@
           <a:p>
             <a:fld id="{D604A245-C8BD-064D-B7C3-50DA7C8D409F}" type="datetimeFigureOut">
               <a:rPr lang="en-US" smtClean="0"/>
-              <a:t>9/19/2014</a:t>
+              <a:t>9/26/2014</a:t>
             </a:fld>
             <a:endParaRPr lang="en-US"/>
           </a:p>
@@ -2619,7 +2620,7 @@
           <a:p>
             <a:fld id="{D604A245-C8BD-064D-B7C3-50DA7C8D409F}" type="datetimeFigureOut">
               <a:rPr lang="en-US" smtClean="0"/>
-              <a:t>9/19/2014</a:t>
+              <a:t>9/26/2014</a:t>
             </a:fld>
             <a:endParaRPr lang="en-US"/>
           </a:p>
@@ -2714,7 +2715,7 @@
           <a:p>
             <a:fld id="{D604A245-C8BD-064D-B7C3-50DA7C8D409F}" type="datetimeFigureOut">
               <a:rPr lang="en-US" smtClean="0"/>
-              <a:t>9/19/2014</a:t>
+              <a:t>9/26/2014</a:t>
             </a:fld>
             <a:endParaRPr lang="en-US"/>
           </a:p>
@@ -2991,7 +2992,7 @@
           <a:p>
             <a:fld id="{D604A245-C8BD-064D-B7C3-50DA7C8D409F}" type="datetimeFigureOut">
               <a:rPr lang="en-US" smtClean="0"/>
-              <a:t>9/19/2014</a:t>
+              <a:t>9/26/2014</a:t>
             </a:fld>
             <a:endParaRPr lang="en-US"/>
           </a:p>
@@ -3244,7 +3245,7 @@
           <a:p>
             <a:fld id="{D604A245-C8BD-064D-B7C3-50DA7C8D409F}" type="datetimeFigureOut">
               <a:rPr lang="en-US" smtClean="0"/>
-              <a:t>9/19/2014</a:t>
+              <a:t>9/26/2014</a:t>
             </a:fld>
             <a:endParaRPr lang="en-US"/>
           </a:p>
@@ -3457,7 +3458,7 @@
           <a:p>
             <a:fld id="{D604A245-C8BD-064D-B7C3-50DA7C8D409F}" type="datetimeFigureOut">
               <a:rPr lang="en-US" smtClean="0"/>
-              <a:t>9/19/2014</a:t>
+              <a:t>9/26/2014</a:t>
             </a:fld>
             <a:endParaRPr lang="en-US"/>
           </a:p>
@@ -5054,58 +5055,40 @@
           <a:chExt cx="0" cy="0"/>
         </a:xfrm>
       </p:grpSpPr>
-      <p:sp>
-        <p:nvSpPr>
-          <p:cNvPr id="2" name="TextBox 1"/>
-          <p:cNvSpPr txBox="1"/>
+      <p:pic>
+        <p:nvPicPr>
+          <p:cNvPr id="2" name="Picture 1"/>
+          <p:cNvPicPr>
+            <a:picLocks noChangeAspect="1"/>
+          </p:cNvPicPr>
           <p:nvPr/>
-        </p:nvSpPr>
+        </p:nvPicPr>
+        <p:blipFill>
+          <a:blip r:embed="rId3">
+            <a:extLst>
+              <a:ext uri="{28A0092B-C50C-407E-A947-70E740481C1C}">
+                <a14:useLocalDpi xmlns:a14="http://schemas.microsoft.com/office/drawing/2010/main" val="0"/>
+              </a:ext>
+            </a:extLst>
+          </a:blip>
+          <a:stretch>
+            <a:fillRect/>
+          </a:stretch>
+        </p:blipFill>
         <p:spPr>
           <a:xfrm>
-            <a:off x="3752558" y="1052657"/>
-            <a:ext cx="2761806" cy="1477328"/>
+            <a:off x="1371600" y="233362"/>
+            <a:ext cx="6400800" cy="6391275"/>
           </a:xfrm>
           <a:prstGeom prst="rect">
             <a:avLst/>
           </a:prstGeom>
-          <a:noFill/>
         </p:spPr>
-        <p:txBody>
-          <a:bodyPr wrap="none" rtlCol="0">
-            <a:spAutoFit/>
-          </a:bodyPr>
-          <a:lstStyle/>
-          <a:p>
-            <a:r>
-              <a:rPr lang="en-US" dirty="0" smtClean="0"/>
-              <a:t>Need roc curve comparison</a:t>
-            </a:r>
-          </a:p>
-          <a:p>
-            <a:endParaRPr lang="en-US" dirty="0"/>
-          </a:p>
-          <a:p>
-            <a:r>
-              <a:rPr lang="en-US" dirty="0" smtClean="0"/>
-              <a:t>May prediction precision</a:t>
-            </a:r>
-          </a:p>
-          <a:p>
-            <a:endParaRPr lang="en-US" dirty="0"/>
-          </a:p>
-          <a:p>
-            <a:r>
-              <a:rPr lang="en-US" smtClean="0"/>
-              <a:t>Etc.</a:t>
-            </a:r>
-            <a:endParaRPr lang="en-US" dirty="0"/>
-          </a:p>
-        </p:txBody>
-      </p:sp>
+      </p:pic>
     </p:spTree>
     <p:extLst>
       <p:ext uri="{BB962C8B-B14F-4D97-AF65-F5344CB8AC3E}">
-        <p14:creationId xmlns:p14="http://schemas.microsoft.com/office/powerpoint/2010/main" val="413038637"/>
+        <p14:creationId xmlns:p14="http://schemas.microsoft.com/office/powerpoint/2010/main" val="4013497343"/>
       </p:ext>
     </p:extLst>
   </p:cSld>
@@ -5141,7 +5124,7 @@
           <p:nvPr/>
         </p:nvPicPr>
         <p:blipFill>
-          <a:blip r:embed="rId3">
+          <a:blip r:embed="rId2">
             <a:extLst>
               <a:ext uri="{28A0092B-C50C-407E-A947-70E740481C1C}">
                 <a14:useLocalDpi xmlns:a14="http://schemas.microsoft.com/office/drawing/2010/main" val="0"/>
@@ -5165,7 +5148,67 @@
     </p:spTree>
     <p:extLst>
       <p:ext uri="{BB962C8B-B14F-4D97-AF65-F5344CB8AC3E}">
-        <p14:creationId xmlns:p14="http://schemas.microsoft.com/office/powerpoint/2010/main" val="4013497343"/>
+        <p14:creationId xmlns:p14="http://schemas.microsoft.com/office/powerpoint/2010/main" val="3825695710"/>
+      </p:ext>
+    </p:extLst>
+  </p:cSld>
+  <p:clrMapOvr>
+    <a:masterClrMapping/>
+  </p:clrMapOvr>
+</p:sld>
+</file>
+
+<file path=ppt/slides/slide6.xml><?xml version="1.0" encoding="utf-8"?>
+<p:sld xmlns:a="http://schemas.openxmlformats.org/drawingml/2006/main" xmlns:r="http://schemas.openxmlformats.org/officeDocument/2006/relationships" xmlns:p="http://schemas.openxmlformats.org/presentationml/2006/main">
+  <p:cSld>
+    <p:spTree>
+      <p:nvGrpSpPr>
+        <p:cNvPr id="1" name=""/>
+        <p:cNvGrpSpPr/>
+        <p:nvPr/>
+      </p:nvGrpSpPr>
+      <p:grpSpPr>
+        <a:xfrm>
+          <a:off x="0" y="0"/>
+          <a:ext cx="0" cy="0"/>
+          <a:chOff x="0" y="0"/>
+          <a:chExt cx="0" cy="0"/>
+        </a:xfrm>
+      </p:grpSpPr>
+      <p:pic>
+        <p:nvPicPr>
+          <p:cNvPr id="2" name="Picture 1"/>
+          <p:cNvPicPr>
+            <a:picLocks noChangeAspect="1"/>
+          </p:cNvPicPr>
+          <p:nvPr/>
+        </p:nvPicPr>
+        <p:blipFill>
+          <a:blip r:embed="rId2">
+            <a:extLst>
+              <a:ext uri="{28A0092B-C50C-407E-A947-70E740481C1C}">
+                <a14:useLocalDpi xmlns:a14="http://schemas.microsoft.com/office/drawing/2010/main" val="0"/>
+              </a:ext>
+            </a:extLst>
+          </a:blip>
+          <a:stretch>
+            <a:fillRect/>
+          </a:stretch>
+        </p:blipFill>
+        <p:spPr>
+          <a:xfrm>
+            <a:off x="1371600" y="233362"/>
+            <a:ext cx="6400800" cy="6391275"/>
+          </a:xfrm>
+          <a:prstGeom prst="rect">
+            <a:avLst/>
+          </a:prstGeom>
+        </p:spPr>
+      </p:pic>
+    </p:spTree>
+    <p:extLst>
+      <p:ext uri="{BB962C8B-B14F-4D97-AF65-F5344CB8AC3E}">
+        <p14:creationId xmlns:p14="http://schemas.microsoft.com/office/powerpoint/2010/main" val="4070260435"/>
       </p:ext>
     </p:extLst>
   </p:cSld>
